--- a/Galactic Credit Prediction.pptx
+++ b/Galactic Credit Prediction.pptx
@@ -6610,75 +6610,103 @@
           </a:bodyPr>
           <a:lstStyle/>
           <a:p>
-            <a:pPr indent="-355600" lvl="0" marL="457200" rtl="0" algn="l">
-              <a:spcBef>
-                <a:spcPts val="0"/>
-              </a:spcBef>
-              <a:spcAft>
-                <a:spcPts val="0"/>
-              </a:spcAft>
-              <a:buSzPts val="2000"/>
+            <a:pPr indent="-349250" lvl="0" marL="457200" rtl="0" algn="l">
+              <a:spcBef>
+                <a:spcPts val="0"/>
+              </a:spcBef>
+              <a:spcAft>
+                <a:spcPts val="0"/>
+              </a:spcAft>
+              <a:buSzPts val="1900"/>
               <a:buChar char="●"/>
             </a:pPr>
             <a:r>
-              <a:rPr lang="en" sz="2000"/>
+              <a:rPr lang="en" sz="1900"/>
               <a:t>Overall, we feel that the model could use some improvement before it is fully implemented as a Credit prediction tool.</a:t>
             </a:r>
-            <a:endParaRPr sz="2000"/>
+            <a:endParaRPr sz="1900"/>
           </a:p>
           <a:p>
-            <a:pPr indent="-355600" lvl="1" marL="914400" rtl="0" algn="l">
-              <a:spcBef>
-                <a:spcPts val="0"/>
-              </a:spcBef>
-              <a:spcAft>
-                <a:spcPts val="0"/>
-              </a:spcAft>
-              <a:buSzPts val="2000"/>
+            <a:pPr indent="-349250" lvl="1" marL="914400" rtl="0" algn="l">
+              <a:spcBef>
+                <a:spcPts val="0"/>
+              </a:spcBef>
+              <a:spcAft>
+                <a:spcPts val="0"/>
+              </a:spcAft>
+              <a:buSzPts val="1900"/>
               <a:buChar char="○"/>
             </a:pPr>
             <a:r>
-              <a:rPr lang="en" sz="2000"/>
+              <a:rPr lang="en" sz="1900"/>
               <a:t>More experimentation in model building could lead to better results.</a:t>
             </a:r>
-            <a:endParaRPr sz="2000"/>
+            <a:endParaRPr sz="1900"/>
           </a:p>
           <a:p>
-            <a:pPr indent="-355600" lvl="1" marL="914400" rtl="0" algn="l">
-              <a:spcBef>
-                <a:spcPts val="0"/>
-              </a:spcBef>
-              <a:spcAft>
-                <a:spcPts val="0"/>
-              </a:spcAft>
-              <a:buSzPts val="2000"/>
+            <a:pPr indent="-349250" lvl="1" marL="914400" rtl="0" algn="l">
+              <a:spcBef>
+                <a:spcPts val="0"/>
+              </a:spcBef>
+              <a:spcAft>
+                <a:spcPts val="0"/>
+              </a:spcAft>
+              <a:buSzPts val="1900"/>
               <a:buChar char="○"/>
             </a:pPr>
             <a:r>
-              <a:rPr lang="en" sz="2000"/>
+              <a:rPr lang="en" sz="1900"/>
               <a:t>Different transformations could be applied to eliminate seasonal variance</a:t>
             </a:r>
-            <a:endParaRPr sz="2000"/>
+            <a:endParaRPr sz="1900"/>
           </a:p>
           <a:p>
-            <a:pPr indent="-355600" lvl="0" marL="457200" rtl="0" algn="l">
-              <a:spcBef>
-                <a:spcPts val="0"/>
-              </a:spcBef>
-              <a:spcAft>
-                <a:spcPts val="0"/>
-              </a:spcAft>
-              <a:buSzPts val="2000"/>
+            <a:pPr indent="-349250" lvl="0" marL="457200" rtl="0" algn="l">
+              <a:spcBef>
+                <a:spcPts val="0"/>
+              </a:spcBef>
+              <a:spcAft>
+                <a:spcPts val="0"/>
+              </a:spcAft>
+              <a:buSzPts val="1900"/>
               <a:buChar char="●"/>
             </a:pPr>
             <a:r>
-              <a:rPr lang="en" sz="2000"/>
+              <a:rPr lang="en" sz="1900"/>
               <a:t>However, we were pleased with our low RMSE, as the typical miss from the model is only 0.091 (in millions).</a:t>
             </a:r>
-            <a:endParaRPr sz="2000"/>
+            <a:endParaRPr sz="1900"/>
           </a:p>
         </p:txBody>
       </p:sp>
+      <p:pic>
+        <p:nvPicPr>
+          <p:cNvPr id="117" name="Google Shape;117;p22"/>
+          <p:cNvPicPr preferRelativeResize="0"/>
+          <p:nvPr/>
+        </p:nvPicPr>
+        <p:blipFill>
+          <a:blip r:embed="rId3">
+            <a:alphaModFix/>
+          </a:blip>
+          <a:stretch>
+            <a:fillRect/>
+          </a:stretch>
+        </p:blipFill>
+        <p:spPr>
+          <a:xfrm>
+            <a:off x="6332250" y="3363523"/>
+            <a:ext cx="1779975" cy="1664900"/>
+          </a:xfrm>
+          <a:prstGeom prst="rect">
+            <a:avLst/>
+          </a:prstGeom>
+          <a:noFill/>
+          <a:ln>
+            <a:noFill/>
+          </a:ln>
+        </p:spPr>
+      </p:pic>
     </p:spTree>
   </p:cSld>
   <p:clrMapOvr>
